--- a/slides/03 - E3 - Cassandra Modellazione.pptx
+++ b/slides/03 - E3 - Cassandra Modellazione.pptx
@@ -255,7 +255,7 @@
           <a:p>
             <a:fld id="{8C81D565-392B-4AB9-9647-420EF17AA3FC}" type="datetimeFigureOut">
               <a:rPr lang="it-IT" smtClean="0"/>
-              <a:t>22/12/2021</a:t>
+              <a:t>27/12/2021</a:t>
             </a:fld>
             <a:endParaRPr lang="it-IT" dirty="0"/>
           </a:p>
@@ -413,7 +413,7 @@
           <a:p>
             <a:fld id="{B38CEA09-33FA-4F6C-9D30-5FB0AA0E11C3}" type="slidenum">
               <a:rPr lang="it-IT" smtClean="0"/>
-              <a:t>‹#›</a:t>
+              <a:t>‹N›</a:t>
             </a:fld>
             <a:endParaRPr lang="it-IT" dirty="0"/>
           </a:p>
@@ -1045,7 +1045,7 @@
           <a:p>
             <a:fld id="{65061730-2F0F-4B55-83F4-33856D80FFD7}" type="datetime1">
               <a:rPr lang="en-US" smtClean="0"/>
-              <a:t>12/22/2021</a:t>
+              <a:t>12/27/2021</a:t>
             </a:fld>
             <a:endParaRPr lang="en-US" dirty="0"/>
           </a:p>
@@ -1087,7 +1087,7 @@
           <a:p>
             <a:fld id="{4FAB73BC-B049-4115-A692-8D63A059BFB8}" type="slidenum">
               <a:rPr lang="en-US" smtClean="0"/>
-              <a:t>‹#›</a:t>
+              <a:t>‹N›</a:t>
             </a:fld>
             <a:endParaRPr lang="en-US" dirty="0"/>
           </a:p>
@@ -1253,7 +1253,7 @@
           <a:p>
             <a:fld id="{BE1035D6-F845-4530-B289-DD4EC9CAE501}" type="datetime1">
               <a:rPr lang="en-US" smtClean="0"/>
-              <a:t>12/22/2021</a:t>
+              <a:t>12/27/2021</a:t>
             </a:fld>
             <a:endParaRPr lang="en-US" dirty="0"/>
           </a:p>
@@ -1295,7 +1295,7 @@
           <a:p>
             <a:fld id="{4FAB73BC-B049-4115-A692-8D63A059BFB8}" type="slidenum">
               <a:rPr lang="en-US" smtClean="0"/>
-              <a:t>‹#›</a:t>
+              <a:t>‹N›</a:t>
             </a:fld>
             <a:endParaRPr lang="en-US" dirty="0"/>
           </a:p>
@@ -1509,7 +1509,7 @@
           <a:p>
             <a:fld id="{EDD3DE46-844C-40F1-AAA7-78AD6518D44C}" type="datetime1">
               <a:rPr lang="en-US" smtClean="0"/>
-              <a:t>12/22/2021</a:t>
+              <a:t>12/27/2021</a:t>
             </a:fld>
             <a:endParaRPr lang="en-US" dirty="0"/>
           </a:p>
@@ -1552,7 +1552,7 @@
             <a:fld id="{4FAB73BC-B049-4115-A692-8D63A059BFB8}" type="slidenum">
               <a:rPr lang="en-US" smtClean="0"/>
               <a:pPr/>
-              <a:t>‹#›</a:t>
+              <a:t>‹N›</a:t>
             </a:fld>
             <a:endParaRPr lang="en-US" dirty="0"/>
           </a:p>
@@ -1681,7 +1681,7 @@
           <a:p>
             <a:fld id="{1FCF7768-7A83-43C9-9C3D-95CD5F68D7E2}" type="datetime1">
               <a:rPr lang="en-US" smtClean="0"/>
-              <a:t>12/22/2021</a:t>
+              <a:t>12/27/2021</a:t>
             </a:fld>
             <a:endParaRPr lang="en-US" dirty="0"/>
           </a:p>
@@ -1723,7 +1723,7 @@
           <a:p>
             <a:fld id="{629637A9-119A-49DA-BD12-AAC58B377D80}" type="slidenum">
               <a:rPr lang="en-US" smtClean="0"/>
-              <a:t>‹#›</a:t>
+              <a:t>‹N›</a:t>
             </a:fld>
             <a:endParaRPr lang="en-US" dirty="0"/>
           </a:p>
@@ -2024,7 +2024,7 @@
           <a:p>
             <a:fld id="{58DD30C4-1715-4BC2-976F-EF7BA4DC70B4}" type="datetime1">
               <a:rPr lang="en-US" smtClean="0"/>
-              <a:t>12/22/2021</a:t>
+              <a:t>12/27/2021</a:t>
             </a:fld>
             <a:endParaRPr lang="en-US" dirty="0"/>
           </a:p>
@@ -2066,7 +2066,7 @@
           <a:p>
             <a:fld id="{4FAB73BC-B049-4115-A692-8D63A059BFB8}" type="slidenum">
               <a:rPr lang="en-US" smtClean="0"/>
-              <a:t>‹#›</a:t>
+              <a:t>‹N›</a:t>
             </a:fld>
             <a:endParaRPr lang="en-US" dirty="0"/>
           </a:p>
@@ -2299,7 +2299,7 @@
           <a:p>
             <a:fld id="{E92CF10C-564E-48D4-BE3A-05BB93A7F107}" type="datetime1">
               <a:rPr lang="en-US" smtClean="0"/>
-              <a:t>12/22/2021</a:t>
+              <a:t>12/27/2021</a:t>
             </a:fld>
             <a:endParaRPr lang="en-US" dirty="0"/>
           </a:p>
@@ -2341,7 +2341,7 @@
           <a:p>
             <a:fld id="{4FAB73BC-B049-4115-A692-8D63A059BFB8}" type="slidenum">
               <a:rPr lang="en-US" smtClean="0"/>
-              <a:t>‹#›</a:t>
+              <a:t>‹N›</a:t>
             </a:fld>
             <a:endParaRPr lang="en-US" dirty="0"/>
           </a:p>
@@ -2678,7 +2678,7 @@
           <a:p>
             <a:fld id="{CEF5B9DB-33AD-46E7-ADFD-C52815BFEA09}" type="datetime1">
               <a:rPr lang="en-US" smtClean="0"/>
-              <a:t>12/22/2021</a:t>
+              <a:t>12/27/2021</a:t>
             </a:fld>
             <a:endParaRPr lang="en-US" dirty="0"/>
           </a:p>
@@ -2720,7 +2720,7 @@
           <a:p>
             <a:fld id="{4FAB73BC-B049-4115-A692-8D63A059BFB8}" type="slidenum">
               <a:rPr lang="en-US" smtClean="0"/>
-              <a:t>‹#›</a:t>
+              <a:t>‹N›</a:t>
             </a:fld>
             <a:endParaRPr lang="en-US" dirty="0"/>
           </a:p>
@@ -2796,7 +2796,7 @@
           <a:p>
             <a:fld id="{EFC02824-932F-46A1-8D0D-D52979BEE663}" type="datetime1">
               <a:rPr lang="en-US" smtClean="0"/>
-              <a:t>12/22/2021</a:t>
+              <a:t>12/27/2021</a:t>
             </a:fld>
             <a:endParaRPr lang="en-US" dirty="0"/>
           </a:p>
@@ -2838,7 +2838,7 @@
           <a:p>
             <a:fld id="{4FAB73BC-B049-4115-A692-8D63A059BFB8}" type="slidenum">
               <a:rPr lang="en-US" smtClean="0"/>
-              <a:t>‹#›</a:t>
+              <a:t>‹N›</a:t>
             </a:fld>
             <a:endParaRPr lang="en-US" dirty="0"/>
           </a:p>
@@ -2967,7 +2967,7 @@
           <a:p>
             <a:fld id="{36233CB2-1968-4F08-9AB4-83693145DE18}" type="datetime1">
               <a:rPr lang="en-US" smtClean="0"/>
-              <a:t>12/22/2021</a:t>
+              <a:t>12/27/2021</a:t>
             </a:fld>
             <a:endParaRPr lang="en-US" dirty="0"/>
           </a:p>
@@ -3018,7 +3018,7 @@
             <a:fld id="{4FAB73BC-B049-4115-A692-8D63A059BFB8}" type="slidenum">
               <a:rPr lang="en-US" smtClean="0"/>
               <a:pPr/>
-              <a:t>‹#›</a:t>
+              <a:t>‹N›</a:t>
             </a:fld>
             <a:endParaRPr lang="en-US" dirty="0"/>
           </a:p>
@@ -3322,7 +3322,7 @@
           <a:p>
             <a:fld id="{F8F6D7E5-1322-4764-A2E4-7B71FFFDE726}" type="datetime1">
               <a:rPr lang="en-US" smtClean="0"/>
-              <a:t>12/22/2021</a:t>
+              <a:t>12/27/2021</a:t>
             </a:fld>
             <a:endParaRPr lang="en-US" dirty="0"/>
           </a:p>
@@ -3386,7 +3386,7 @@
             <a:fld id="{4FAB73BC-B049-4115-A692-8D63A059BFB8}" type="slidenum">
               <a:rPr lang="en-US" smtClean="0"/>
               <a:pPr/>
-              <a:t>‹#›</a:t>
+              <a:t>‹N›</a:t>
             </a:fld>
             <a:endParaRPr lang="en-US" dirty="0"/>
           </a:p>
@@ -3700,7 +3700,7 @@
           <a:p>
             <a:fld id="{E26D0A1A-929F-4DC6-9A8A-74A15252C912}" type="datetime1">
               <a:rPr lang="en-US" smtClean="0"/>
-              <a:t>12/22/2021</a:t>
+              <a:t>12/27/2021</a:t>
             </a:fld>
             <a:endParaRPr lang="en-US" dirty="0"/>
           </a:p>
@@ -3742,7 +3742,7 @@
           <a:p>
             <a:fld id="{4FAB73BC-B049-4115-A692-8D63A059BFB8}" type="slidenum">
               <a:rPr lang="en-US" smtClean="0"/>
-              <a:t>‹#›</a:t>
+              <a:t>‹N›</a:t>
             </a:fld>
             <a:endParaRPr lang="en-US" dirty="0"/>
           </a:p>
@@ -3987,7 +3987,7 @@
           <a:p>
             <a:fld id="{EDD3DE46-844C-40F1-AAA7-78AD6518D44C}" type="datetime1">
               <a:rPr lang="en-US" smtClean="0"/>
-              <a:t>12/22/2021</a:t>
+              <a:t>12/27/2021</a:t>
             </a:fld>
             <a:endParaRPr lang="en-US" dirty="0"/>
           </a:p>
@@ -4062,7 +4062,7 @@
             <a:fld id="{4FAB73BC-B049-4115-A692-8D63A059BFB8}" type="slidenum">
               <a:rPr lang="en-US" smtClean="0"/>
               <a:pPr/>
-              <a:t>‹#›</a:t>
+              <a:t>‹N›</a:t>
             </a:fld>
             <a:endParaRPr lang="en-US" dirty="0"/>
           </a:p>
@@ -7785,15 +7785,7 @@
             </a:r>
             <a:r>
               <a:rPr lang="en-US" dirty="0"/>
-              <a:t> </a:t>
-            </a:r>
-            <a:r>
-              <a:rPr lang="en-US" dirty="0" err="1"/>
-              <a:t>visto</a:t>
-            </a:r>
-            <a:r>
-              <a:rPr lang="en-US" dirty="0"/>
-              <a:t> come </a:t>
+              <a:t> visto come </a:t>
             </a:r>
             <a:r>
               <a:rPr lang="en-US" dirty="0" err="1"/>
@@ -7833,13 +7825,13 @@
             </a:r>
             <a:r>
               <a:rPr lang="en-US" dirty="0"/>
-              <a:t> query..</a:t>
-            </a:r>
-          </a:p>
-          <a:p>
-            <a:r>
-              <a:rPr lang="en-US" dirty="0"/>
-              <a:t>.. ma come </a:t>
+              <a:t> query…</a:t>
+            </a:r>
+          </a:p>
+          <a:p>
+            <a:r>
+              <a:rPr lang="en-US" dirty="0"/>
+              <a:t>… ma come </a:t>
             </a:r>
             <a:r>
               <a:rPr lang="en-US" dirty="0" err="1"/>
@@ -10232,7 +10224,7 @@
 </file>
 
 <file path=ppt/slides/slide29.xml><?xml version="1.0" encoding="utf-8"?>
-<p:sld xmlns:a="http://schemas.openxmlformats.org/drawingml/2006/main" xmlns:r="http://schemas.openxmlformats.org/officeDocument/2006/relationships" xmlns:p="http://schemas.openxmlformats.org/presentationml/2006/main">
+<p:sld xmlns:a="http://schemas.openxmlformats.org/drawingml/2006/main" xmlns:r="http://schemas.openxmlformats.org/officeDocument/2006/relationships" xmlns:p="http://schemas.openxmlformats.org/presentationml/2006/main" show="0">
   <p:cSld>
     <p:spTree>
       <p:nvGrpSpPr>
@@ -16011,7 +16003,7 @@
 </file>
 
 <file path=ppt/slides/slide34.xml><?xml version="1.0" encoding="utf-8"?>
-<p:sld xmlns:a="http://schemas.openxmlformats.org/drawingml/2006/main" xmlns:r="http://schemas.openxmlformats.org/officeDocument/2006/relationships" xmlns:p="http://schemas.openxmlformats.org/presentationml/2006/main">
+<p:sld xmlns:a="http://schemas.openxmlformats.org/drawingml/2006/main" xmlns:r="http://schemas.openxmlformats.org/officeDocument/2006/relationships" xmlns:p="http://schemas.openxmlformats.org/presentationml/2006/main" show="0">
   <p:cSld>
     <p:spTree>
       <p:nvGrpSpPr>
@@ -21824,7 +21816,7 @@
             </a:r>
             <a:r>
               <a:rPr lang="en-US" dirty="0"/>
-              <a:t> ACID..</a:t>
+              <a:t> ACID…</a:t>
             </a:r>
           </a:p>
           <a:p>
@@ -21836,8 +21828,8 @@
           </a:p>
           <a:p>
             <a:r>
-              <a:rPr lang="en-US" dirty="0"/>
-              <a:t>..ma </a:t>
+              <a:rPr lang="en-US"/>
+              <a:t>… ma </a:t>
             </a:r>
             <a:r>
               <a:rPr lang="en-US" dirty="0" err="1"/>

--- a/slides/03 - E3 - Cassandra Modellazione.pptx
+++ b/slides/03 - E3 - Cassandra Modellazione.pptx
@@ -255,7 +255,7 @@
           <a:p>
             <a:fld id="{8C81D565-392B-4AB9-9647-420EF17AA3FC}" type="datetimeFigureOut">
               <a:rPr lang="it-IT" smtClean="0"/>
-              <a:t>27/12/2021</a:t>
+              <a:t>15/02/2023</a:t>
             </a:fld>
             <a:endParaRPr lang="it-IT" dirty="0"/>
           </a:p>
@@ -1045,7 +1045,7 @@
           <a:p>
             <a:fld id="{65061730-2F0F-4B55-83F4-33856D80FFD7}" type="datetime1">
               <a:rPr lang="en-US" smtClean="0"/>
-              <a:t>12/27/2021</a:t>
+              <a:t>2/15/2023</a:t>
             </a:fld>
             <a:endParaRPr lang="en-US" dirty="0"/>
           </a:p>
@@ -1253,7 +1253,7 @@
           <a:p>
             <a:fld id="{BE1035D6-F845-4530-B289-DD4EC9CAE501}" type="datetime1">
               <a:rPr lang="en-US" smtClean="0"/>
-              <a:t>12/27/2021</a:t>
+              <a:t>2/15/2023</a:t>
             </a:fld>
             <a:endParaRPr lang="en-US" dirty="0"/>
           </a:p>
@@ -1509,7 +1509,7 @@
           <a:p>
             <a:fld id="{EDD3DE46-844C-40F1-AAA7-78AD6518D44C}" type="datetime1">
               <a:rPr lang="en-US" smtClean="0"/>
-              <a:t>12/27/2021</a:t>
+              <a:t>2/15/2023</a:t>
             </a:fld>
             <a:endParaRPr lang="en-US" dirty="0"/>
           </a:p>
@@ -1681,7 +1681,7 @@
           <a:p>
             <a:fld id="{1FCF7768-7A83-43C9-9C3D-95CD5F68D7E2}" type="datetime1">
               <a:rPr lang="en-US" smtClean="0"/>
-              <a:t>12/27/2021</a:t>
+              <a:t>2/15/2023</a:t>
             </a:fld>
             <a:endParaRPr lang="en-US" dirty="0"/>
           </a:p>
@@ -2024,7 +2024,7 @@
           <a:p>
             <a:fld id="{58DD30C4-1715-4BC2-976F-EF7BA4DC70B4}" type="datetime1">
               <a:rPr lang="en-US" smtClean="0"/>
-              <a:t>12/27/2021</a:t>
+              <a:t>2/15/2023</a:t>
             </a:fld>
             <a:endParaRPr lang="en-US" dirty="0"/>
           </a:p>
@@ -2299,7 +2299,7 @@
           <a:p>
             <a:fld id="{E92CF10C-564E-48D4-BE3A-05BB93A7F107}" type="datetime1">
               <a:rPr lang="en-US" smtClean="0"/>
-              <a:t>12/27/2021</a:t>
+              <a:t>2/15/2023</a:t>
             </a:fld>
             <a:endParaRPr lang="en-US" dirty="0"/>
           </a:p>
@@ -2678,7 +2678,7 @@
           <a:p>
             <a:fld id="{CEF5B9DB-33AD-46E7-ADFD-C52815BFEA09}" type="datetime1">
               <a:rPr lang="en-US" smtClean="0"/>
-              <a:t>12/27/2021</a:t>
+              <a:t>2/15/2023</a:t>
             </a:fld>
             <a:endParaRPr lang="en-US" dirty="0"/>
           </a:p>
@@ -2796,7 +2796,7 @@
           <a:p>
             <a:fld id="{EFC02824-932F-46A1-8D0D-D52979BEE663}" type="datetime1">
               <a:rPr lang="en-US" smtClean="0"/>
-              <a:t>12/27/2021</a:t>
+              <a:t>2/15/2023</a:t>
             </a:fld>
             <a:endParaRPr lang="en-US" dirty="0"/>
           </a:p>
@@ -2967,7 +2967,7 @@
           <a:p>
             <a:fld id="{36233CB2-1968-4F08-9AB4-83693145DE18}" type="datetime1">
               <a:rPr lang="en-US" smtClean="0"/>
-              <a:t>12/27/2021</a:t>
+              <a:t>2/15/2023</a:t>
             </a:fld>
             <a:endParaRPr lang="en-US" dirty="0"/>
           </a:p>
@@ -3322,7 +3322,7 @@
           <a:p>
             <a:fld id="{F8F6D7E5-1322-4764-A2E4-7B71FFFDE726}" type="datetime1">
               <a:rPr lang="en-US" smtClean="0"/>
-              <a:t>12/27/2021</a:t>
+              <a:t>2/15/2023</a:t>
             </a:fld>
             <a:endParaRPr lang="en-US" dirty="0"/>
           </a:p>
@@ -3700,7 +3700,7 @@
           <a:p>
             <a:fld id="{E26D0A1A-929F-4DC6-9A8A-74A15252C912}" type="datetime1">
               <a:rPr lang="en-US" smtClean="0"/>
-              <a:t>12/27/2021</a:t>
+              <a:t>2/15/2023</a:t>
             </a:fld>
             <a:endParaRPr lang="en-US" dirty="0"/>
           </a:p>
@@ -3987,7 +3987,7 @@
           <a:p>
             <a:fld id="{EDD3DE46-844C-40F1-AAA7-78AD6518D44C}" type="datetime1">
               <a:rPr lang="en-US" smtClean="0"/>
-              <a:t>12/27/2021</a:t>
+              <a:t>2/15/2023</a:t>
             </a:fld>
             <a:endParaRPr lang="en-US" dirty="0"/>
           </a:p>

--- a/slides/03 - E3 - Cassandra Modellazione.pptx
+++ b/slides/03 - E3 - Cassandra Modellazione.pptx
@@ -255,7 +255,7 @@
           <a:p>
             <a:fld id="{8C81D565-392B-4AB9-9647-420EF17AA3FC}" type="datetimeFigureOut">
               <a:rPr lang="it-IT" smtClean="0"/>
-              <a:t>15/02/2023</a:t>
+              <a:t>16/02/2023</a:t>
             </a:fld>
             <a:endParaRPr lang="it-IT" dirty="0"/>
           </a:p>
@@ -1045,7 +1045,7 @@
           <a:p>
             <a:fld id="{65061730-2F0F-4B55-83F4-33856D80FFD7}" type="datetime1">
               <a:rPr lang="en-US" smtClean="0"/>
-              <a:t>2/15/2023</a:t>
+              <a:t>2/16/2023</a:t>
             </a:fld>
             <a:endParaRPr lang="en-US" dirty="0"/>
           </a:p>
@@ -1253,7 +1253,7 @@
           <a:p>
             <a:fld id="{BE1035D6-F845-4530-B289-DD4EC9CAE501}" type="datetime1">
               <a:rPr lang="en-US" smtClean="0"/>
-              <a:t>2/15/2023</a:t>
+              <a:t>2/16/2023</a:t>
             </a:fld>
             <a:endParaRPr lang="en-US" dirty="0"/>
           </a:p>
@@ -1509,7 +1509,7 @@
           <a:p>
             <a:fld id="{EDD3DE46-844C-40F1-AAA7-78AD6518D44C}" type="datetime1">
               <a:rPr lang="en-US" smtClean="0"/>
-              <a:t>2/15/2023</a:t>
+              <a:t>2/16/2023</a:t>
             </a:fld>
             <a:endParaRPr lang="en-US" dirty="0"/>
           </a:p>
@@ -1681,7 +1681,7 @@
           <a:p>
             <a:fld id="{1FCF7768-7A83-43C9-9C3D-95CD5F68D7E2}" type="datetime1">
               <a:rPr lang="en-US" smtClean="0"/>
-              <a:t>2/15/2023</a:t>
+              <a:t>2/16/2023</a:t>
             </a:fld>
             <a:endParaRPr lang="en-US" dirty="0"/>
           </a:p>
@@ -2024,7 +2024,7 @@
           <a:p>
             <a:fld id="{58DD30C4-1715-4BC2-976F-EF7BA4DC70B4}" type="datetime1">
               <a:rPr lang="en-US" smtClean="0"/>
-              <a:t>2/15/2023</a:t>
+              <a:t>2/16/2023</a:t>
             </a:fld>
             <a:endParaRPr lang="en-US" dirty="0"/>
           </a:p>
@@ -2299,7 +2299,7 @@
           <a:p>
             <a:fld id="{E92CF10C-564E-48D4-BE3A-05BB93A7F107}" type="datetime1">
               <a:rPr lang="en-US" smtClean="0"/>
-              <a:t>2/15/2023</a:t>
+              <a:t>2/16/2023</a:t>
             </a:fld>
             <a:endParaRPr lang="en-US" dirty="0"/>
           </a:p>
@@ -2678,7 +2678,7 @@
           <a:p>
             <a:fld id="{CEF5B9DB-33AD-46E7-ADFD-C52815BFEA09}" type="datetime1">
               <a:rPr lang="en-US" smtClean="0"/>
-              <a:t>2/15/2023</a:t>
+              <a:t>2/16/2023</a:t>
             </a:fld>
             <a:endParaRPr lang="en-US" dirty="0"/>
           </a:p>
@@ -2796,7 +2796,7 @@
           <a:p>
             <a:fld id="{EFC02824-932F-46A1-8D0D-D52979BEE663}" type="datetime1">
               <a:rPr lang="en-US" smtClean="0"/>
-              <a:t>2/15/2023</a:t>
+              <a:t>2/16/2023</a:t>
             </a:fld>
             <a:endParaRPr lang="en-US" dirty="0"/>
           </a:p>
@@ -2967,7 +2967,7 @@
           <a:p>
             <a:fld id="{36233CB2-1968-4F08-9AB4-83693145DE18}" type="datetime1">
               <a:rPr lang="en-US" smtClean="0"/>
-              <a:t>2/15/2023</a:t>
+              <a:t>2/16/2023</a:t>
             </a:fld>
             <a:endParaRPr lang="en-US" dirty="0"/>
           </a:p>
@@ -3322,7 +3322,7 @@
           <a:p>
             <a:fld id="{F8F6D7E5-1322-4764-A2E4-7B71FFFDE726}" type="datetime1">
               <a:rPr lang="en-US" smtClean="0"/>
-              <a:t>2/15/2023</a:t>
+              <a:t>2/16/2023</a:t>
             </a:fld>
             <a:endParaRPr lang="en-US" dirty="0"/>
           </a:p>
@@ -3700,7 +3700,7 @@
           <a:p>
             <a:fld id="{E26D0A1A-929F-4DC6-9A8A-74A15252C912}" type="datetime1">
               <a:rPr lang="en-US" smtClean="0"/>
-              <a:t>2/15/2023</a:t>
+              <a:t>2/16/2023</a:t>
             </a:fld>
             <a:endParaRPr lang="en-US" dirty="0"/>
           </a:p>
@@ -3987,7 +3987,7 @@
           <a:p>
             <a:fld id="{EDD3DE46-844C-40F1-AAA7-78AD6518D44C}" type="datetime1">
               <a:rPr lang="en-US" smtClean="0"/>
-              <a:t>2/15/2023</a:t>
+              <a:t>2/16/2023</a:t>
             </a:fld>
             <a:endParaRPr lang="en-US" dirty="0"/>
           </a:p>
@@ -22614,7 +22614,7 @@
         <p:spPr>
           <a:xfrm>
             <a:off x="258700" y="2837467"/>
-            <a:ext cx="8816581" cy="1815882"/>
+            <a:ext cx="8816581" cy="2031325"/>
           </a:xfrm>
           <a:prstGeom prst="rect">
             <a:avLst/>
@@ -22811,7 +22811,24 @@
                 </a:solidFill>
                 <a:latin typeface="Courier New" panose="02070309020205020404" pitchFamily="49" charset="0"/>
               </a:rPr>
-              <a:t>true</a:t>
+              <a:t>true </a:t>
+            </a:r>
+          </a:p>
+          <a:p>
+            <a:r>
+              <a:rPr lang="en-US" sz="1400" dirty="0">
+                <a:solidFill>
+                  <a:srgbClr val="008080"/>
+                </a:solidFill>
+                <a:latin typeface="Courier New" panose="02070309020205020404" pitchFamily="49" charset="0"/>
+              </a:rPr>
+              <a:t>	</a:t>
+            </a:r>
+            <a:r>
+              <a:rPr lang="en-US" sz="1400" dirty="0">
+                <a:latin typeface="Courier New" panose="02070309020205020404" pitchFamily="49" charset="0"/>
+              </a:rPr>
+              <a:t>AND MINBATCHSIZE=1 AND MAXBATCHSIZE=1 AND PAGESIZE=10</a:t>
             </a:r>
             <a:r>
               <a:rPr lang="en-US" sz="1400" dirty="0">

--- a/slides/03 - E3 - Cassandra Modellazione.pptx
+++ b/slides/03 - E3 - Cassandra Modellazione.pptx
@@ -255,7 +255,7 @@
           <a:p>
             <a:fld id="{8C81D565-392B-4AB9-9647-420EF17AA3FC}" type="datetimeFigureOut">
               <a:rPr lang="it-IT" smtClean="0"/>
-              <a:t>16/02/2023</a:t>
+              <a:t>17/02/2023</a:t>
             </a:fld>
             <a:endParaRPr lang="it-IT" dirty="0"/>
           </a:p>
@@ -1045,7 +1045,7 @@
           <a:p>
             <a:fld id="{65061730-2F0F-4B55-83F4-33856D80FFD7}" type="datetime1">
               <a:rPr lang="en-US" smtClean="0"/>
-              <a:t>2/16/2023</a:t>
+              <a:t>2/17/2023</a:t>
             </a:fld>
             <a:endParaRPr lang="en-US" dirty="0"/>
           </a:p>
@@ -1253,7 +1253,7 @@
           <a:p>
             <a:fld id="{BE1035D6-F845-4530-B289-DD4EC9CAE501}" type="datetime1">
               <a:rPr lang="en-US" smtClean="0"/>
-              <a:t>2/16/2023</a:t>
+              <a:t>2/17/2023</a:t>
             </a:fld>
             <a:endParaRPr lang="en-US" dirty="0"/>
           </a:p>
@@ -1509,7 +1509,7 @@
           <a:p>
             <a:fld id="{EDD3DE46-844C-40F1-AAA7-78AD6518D44C}" type="datetime1">
               <a:rPr lang="en-US" smtClean="0"/>
-              <a:t>2/16/2023</a:t>
+              <a:t>2/17/2023</a:t>
             </a:fld>
             <a:endParaRPr lang="en-US" dirty="0"/>
           </a:p>
@@ -1681,7 +1681,7 @@
           <a:p>
             <a:fld id="{1FCF7768-7A83-43C9-9C3D-95CD5F68D7E2}" type="datetime1">
               <a:rPr lang="en-US" smtClean="0"/>
-              <a:t>2/16/2023</a:t>
+              <a:t>2/17/2023</a:t>
             </a:fld>
             <a:endParaRPr lang="en-US" dirty="0"/>
           </a:p>
@@ -2024,7 +2024,7 @@
           <a:p>
             <a:fld id="{58DD30C4-1715-4BC2-976F-EF7BA4DC70B4}" type="datetime1">
               <a:rPr lang="en-US" smtClean="0"/>
-              <a:t>2/16/2023</a:t>
+              <a:t>2/17/2023</a:t>
             </a:fld>
             <a:endParaRPr lang="en-US" dirty="0"/>
           </a:p>
@@ -2299,7 +2299,7 @@
           <a:p>
             <a:fld id="{E92CF10C-564E-48D4-BE3A-05BB93A7F107}" type="datetime1">
               <a:rPr lang="en-US" smtClean="0"/>
-              <a:t>2/16/2023</a:t>
+              <a:t>2/17/2023</a:t>
             </a:fld>
             <a:endParaRPr lang="en-US" dirty="0"/>
           </a:p>
@@ -2678,7 +2678,7 @@
           <a:p>
             <a:fld id="{CEF5B9DB-33AD-46E7-ADFD-C52815BFEA09}" type="datetime1">
               <a:rPr lang="en-US" smtClean="0"/>
-              <a:t>2/16/2023</a:t>
+              <a:t>2/17/2023</a:t>
             </a:fld>
             <a:endParaRPr lang="en-US" dirty="0"/>
           </a:p>
@@ -2796,7 +2796,7 @@
           <a:p>
             <a:fld id="{EFC02824-932F-46A1-8D0D-D52979BEE663}" type="datetime1">
               <a:rPr lang="en-US" smtClean="0"/>
-              <a:t>2/16/2023</a:t>
+              <a:t>2/17/2023</a:t>
             </a:fld>
             <a:endParaRPr lang="en-US" dirty="0"/>
           </a:p>
@@ -2967,7 +2967,7 @@
           <a:p>
             <a:fld id="{36233CB2-1968-4F08-9AB4-83693145DE18}" type="datetime1">
               <a:rPr lang="en-US" smtClean="0"/>
-              <a:t>2/16/2023</a:t>
+              <a:t>2/17/2023</a:t>
             </a:fld>
             <a:endParaRPr lang="en-US" dirty="0"/>
           </a:p>
@@ -3322,7 +3322,7 @@
           <a:p>
             <a:fld id="{F8F6D7E5-1322-4764-A2E4-7B71FFFDE726}" type="datetime1">
               <a:rPr lang="en-US" smtClean="0"/>
-              <a:t>2/16/2023</a:t>
+              <a:t>2/17/2023</a:t>
             </a:fld>
             <a:endParaRPr lang="en-US" dirty="0"/>
           </a:p>
@@ -3700,7 +3700,7 @@
           <a:p>
             <a:fld id="{E26D0A1A-929F-4DC6-9A8A-74A15252C912}" type="datetime1">
               <a:rPr lang="en-US" smtClean="0"/>
-              <a:t>2/16/2023</a:t>
+              <a:t>2/17/2023</a:t>
             </a:fld>
             <a:endParaRPr lang="en-US" dirty="0"/>
           </a:p>
@@ -3987,7 +3987,7 @@
           <a:p>
             <a:fld id="{EDD3DE46-844C-40F1-AAA7-78AD6518D44C}" type="datetime1">
               <a:rPr lang="en-US" smtClean="0"/>
-              <a:t>2/16/2023</a:t>
+              <a:t>2/17/2023</a:t>
             </a:fld>
             <a:endParaRPr lang="en-US" dirty="0"/>
           </a:p>

--- a/slides/03 - E3 - Cassandra Modellazione.pptx
+++ b/slides/03 - E3 - Cassandra Modellazione.pptx
@@ -255,7 +255,7 @@
           <a:p>
             <a:fld id="{8C81D565-392B-4AB9-9647-420EF17AA3FC}" type="datetimeFigureOut">
               <a:rPr lang="it-IT" smtClean="0"/>
-              <a:t>27/12/2021</a:t>
+              <a:t>17/02/2023</a:t>
             </a:fld>
             <a:endParaRPr lang="it-IT" dirty="0"/>
           </a:p>
@@ -1045,7 +1045,7 @@
           <a:p>
             <a:fld id="{65061730-2F0F-4B55-83F4-33856D80FFD7}" type="datetime1">
               <a:rPr lang="en-US" smtClean="0"/>
-              <a:t>12/27/2021</a:t>
+              <a:t>2/17/2023</a:t>
             </a:fld>
             <a:endParaRPr lang="en-US" dirty="0"/>
           </a:p>
@@ -1253,7 +1253,7 @@
           <a:p>
             <a:fld id="{BE1035D6-F845-4530-B289-DD4EC9CAE501}" type="datetime1">
               <a:rPr lang="en-US" smtClean="0"/>
-              <a:t>12/27/2021</a:t>
+              <a:t>2/17/2023</a:t>
             </a:fld>
             <a:endParaRPr lang="en-US" dirty="0"/>
           </a:p>
@@ -1509,7 +1509,7 @@
           <a:p>
             <a:fld id="{EDD3DE46-844C-40F1-AAA7-78AD6518D44C}" type="datetime1">
               <a:rPr lang="en-US" smtClean="0"/>
-              <a:t>12/27/2021</a:t>
+              <a:t>2/17/2023</a:t>
             </a:fld>
             <a:endParaRPr lang="en-US" dirty="0"/>
           </a:p>
@@ -1681,7 +1681,7 @@
           <a:p>
             <a:fld id="{1FCF7768-7A83-43C9-9C3D-95CD5F68D7E2}" type="datetime1">
               <a:rPr lang="en-US" smtClean="0"/>
-              <a:t>12/27/2021</a:t>
+              <a:t>2/17/2023</a:t>
             </a:fld>
             <a:endParaRPr lang="en-US" dirty="0"/>
           </a:p>
@@ -2024,7 +2024,7 @@
           <a:p>
             <a:fld id="{58DD30C4-1715-4BC2-976F-EF7BA4DC70B4}" type="datetime1">
               <a:rPr lang="en-US" smtClean="0"/>
-              <a:t>12/27/2021</a:t>
+              <a:t>2/17/2023</a:t>
             </a:fld>
             <a:endParaRPr lang="en-US" dirty="0"/>
           </a:p>
@@ -2299,7 +2299,7 @@
           <a:p>
             <a:fld id="{E92CF10C-564E-48D4-BE3A-05BB93A7F107}" type="datetime1">
               <a:rPr lang="en-US" smtClean="0"/>
-              <a:t>12/27/2021</a:t>
+              <a:t>2/17/2023</a:t>
             </a:fld>
             <a:endParaRPr lang="en-US" dirty="0"/>
           </a:p>
@@ -2678,7 +2678,7 @@
           <a:p>
             <a:fld id="{CEF5B9DB-33AD-46E7-ADFD-C52815BFEA09}" type="datetime1">
               <a:rPr lang="en-US" smtClean="0"/>
-              <a:t>12/27/2021</a:t>
+              <a:t>2/17/2023</a:t>
             </a:fld>
             <a:endParaRPr lang="en-US" dirty="0"/>
           </a:p>
@@ -2796,7 +2796,7 @@
           <a:p>
             <a:fld id="{EFC02824-932F-46A1-8D0D-D52979BEE663}" type="datetime1">
               <a:rPr lang="en-US" smtClean="0"/>
-              <a:t>12/27/2021</a:t>
+              <a:t>2/17/2023</a:t>
             </a:fld>
             <a:endParaRPr lang="en-US" dirty="0"/>
           </a:p>
@@ -2967,7 +2967,7 @@
           <a:p>
             <a:fld id="{36233CB2-1968-4F08-9AB4-83693145DE18}" type="datetime1">
               <a:rPr lang="en-US" smtClean="0"/>
-              <a:t>12/27/2021</a:t>
+              <a:t>2/17/2023</a:t>
             </a:fld>
             <a:endParaRPr lang="en-US" dirty="0"/>
           </a:p>
@@ -3322,7 +3322,7 @@
           <a:p>
             <a:fld id="{F8F6D7E5-1322-4764-A2E4-7B71FFFDE726}" type="datetime1">
               <a:rPr lang="en-US" smtClean="0"/>
-              <a:t>12/27/2021</a:t>
+              <a:t>2/17/2023</a:t>
             </a:fld>
             <a:endParaRPr lang="en-US" dirty="0"/>
           </a:p>
@@ -3700,7 +3700,7 @@
           <a:p>
             <a:fld id="{E26D0A1A-929F-4DC6-9A8A-74A15252C912}" type="datetime1">
               <a:rPr lang="en-US" smtClean="0"/>
-              <a:t>12/27/2021</a:t>
+              <a:t>2/17/2023</a:t>
             </a:fld>
             <a:endParaRPr lang="en-US" dirty="0"/>
           </a:p>
@@ -3987,7 +3987,7 @@
           <a:p>
             <a:fld id="{EDD3DE46-844C-40F1-AAA7-78AD6518D44C}" type="datetime1">
               <a:rPr lang="en-US" smtClean="0"/>
-              <a:t>12/27/2021</a:t>
+              <a:t>2/17/2023</a:t>
             </a:fld>
             <a:endParaRPr lang="en-US" dirty="0"/>
           </a:p>
@@ -22614,7 +22614,7 @@
         <p:spPr>
           <a:xfrm>
             <a:off x="258700" y="2837467"/>
-            <a:ext cx="8816581" cy="1815882"/>
+            <a:ext cx="8816581" cy="2031325"/>
           </a:xfrm>
           <a:prstGeom prst="rect">
             <a:avLst/>
@@ -22811,7 +22811,24 @@
                 </a:solidFill>
                 <a:latin typeface="Courier New" panose="02070309020205020404" pitchFamily="49" charset="0"/>
               </a:rPr>
-              <a:t>true</a:t>
+              <a:t>true </a:t>
+            </a:r>
+          </a:p>
+          <a:p>
+            <a:r>
+              <a:rPr lang="en-US" sz="1400" dirty="0">
+                <a:solidFill>
+                  <a:srgbClr val="008080"/>
+                </a:solidFill>
+                <a:latin typeface="Courier New" panose="02070309020205020404" pitchFamily="49" charset="0"/>
+              </a:rPr>
+              <a:t>	</a:t>
+            </a:r>
+            <a:r>
+              <a:rPr lang="en-US" sz="1400" dirty="0">
+                <a:latin typeface="Courier New" panose="02070309020205020404" pitchFamily="49" charset="0"/>
+              </a:rPr>
+              <a:t>AND MINBATCHSIZE=1 AND MAXBATCHSIZE=1 AND PAGESIZE=10</a:t>
             </a:r>
             <a:r>
               <a:rPr lang="en-US" sz="1400" dirty="0">
